--- a/Mobile Games Presentation - Michael Wolf.pptx
+++ b/Mobile Games Presentation - Michael Wolf.pptx
@@ -8985,7 +8985,7 @@
           <a:p>
             <a:fld id="{7C1CF378-B122-9C4A-8EC6-7AD854CE659D}" type="datetimeFigureOut">
               <a:rPr lang="en-US" smtClean="0"/>
-              <a:t>11/2/2019</a:t>
+              <a:t>11/3/2019</a:t>
             </a:fld>
             <a:endParaRPr lang="en-US" dirty="0"/>
           </a:p>
@@ -9155,7 +9155,7 @@
           <a:p>
             <a:fld id="{7C1CF378-B122-9C4A-8EC6-7AD854CE659D}" type="datetimeFigureOut">
               <a:rPr lang="en-US" smtClean="0"/>
-              <a:t>11/2/2019</a:t>
+              <a:t>11/3/2019</a:t>
             </a:fld>
             <a:endParaRPr lang="en-US" dirty="0"/>
           </a:p>
@@ -9762,7 +9762,7 @@
           <a:p>
             <a:fld id="{7C1CF378-B122-9C4A-8EC6-7AD854CE659D}" type="datetimeFigureOut">
               <a:rPr lang="en-US" smtClean="0"/>
-              <a:t>11/2/2019</a:t>
+              <a:t>11/3/2019</a:t>
             </a:fld>
             <a:endParaRPr lang="en-US" dirty="0"/>
           </a:p>
@@ -9863,7 +9863,7 @@
           </a:ln>
           <a:extLst>
             <a:ext uri="{91240B29-F687-4f45-9708-019B960494DF}">
-              <a14:hiddenLine xmlns:a14="http://schemas.microsoft.com/office/drawing/2010/main" xmlns="" w="9525">
+              <a14:hiddenLine xmlns="" xmlns:a14="http://schemas.microsoft.com/office/drawing/2010/main" w="9525">
                 <a:solidFill>
                   <a:srgbClr val="000000"/>
                 </a:solidFill>
@@ -9918,7 +9918,7 @@
           </a:ln>
           <a:extLst>
             <a:ext uri="{91240B29-F687-4f45-9708-019B960494DF}">
-              <a14:hiddenLine xmlns:a14="http://schemas.microsoft.com/office/drawing/2010/main" xmlns="" w="9525">
+              <a14:hiddenLine xmlns="" xmlns:a14="http://schemas.microsoft.com/office/drawing/2010/main" w="9525">
                 <a:solidFill>
                   <a:srgbClr val="000000"/>
                 </a:solidFill>
@@ -10067,7 +10067,7 @@
           <a:p>
             <a:fld id="{7C1CF378-B122-9C4A-8EC6-7AD854CE659D}" type="datetimeFigureOut">
               <a:rPr lang="en-US" smtClean="0"/>
-              <a:t>11/2/2019</a:t>
+              <a:t>11/3/2019</a:t>
             </a:fld>
             <a:endParaRPr lang="en-US" dirty="0"/>
           </a:p>
@@ -10324,7 +10324,7 @@
             <a:fld id="{B61BEF0D-F0BB-DE4B-95CE-6DB70DBA9567}" type="datetimeFigureOut">
               <a:rPr lang="en-US" dirty="0"/>
               <a:pPr/>
-              <a:t>11/2/2019</a:t>
+              <a:t>11/3/2019</a:t>
             </a:fld>
             <a:endParaRPr lang="en-US" dirty="0"/>
           </a:p>
@@ -10628,7 +10628,7 @@
             <a:fld id="{B61BEF0D-F0BB-DE4B-95CE-6DB70DBA9567}" type="datetimeFigureOut">
               <a:rPr lang="en-US" dirty="0"/>
               <a:pPr/>
-              <a:t>11/2/2019</a:t>
+              <a:t>11/3/2019</a:t>
             </a:fld>
             <a:endParaRPr lang="en-US" dirty="0"/>
           </a:p>
@@ -11072,7 +11072,7 @@
             <a:fld id="{B61BEF0D-F0BB-DE4B-95CE-6DB70DBA9567}" type="datetimeFigureOut">
               <a:rPr lang="en-US" dirty="0"/>
               <a:pPr/>
-              <a:t>11/2/2019</a:t>
+              <a:t>11/3/2019</a:t>
             </a:fld>
             <a:endParaRPr lang="en-US" dirty="0"/>
           </a:p>
@@ -11192,7 +11192,7 @@
             <a:fld id="{B61BEF0D-F0BB-DE4B-95CE-6DB70DBA9567}" type="datetimeFigureOut">
               <a:rPr lang="en-US" dirty="0"/>
               <a:pPr/>
-              <a:t>11/2/2019</a:t>
+              <a:t>11/3/2019</a:t>
             </a:fld>
             <a:endParaRPr lang="en-US" dirty="0"/>
           </a:p>
@@ -11289,7 +11289,7 @@
             <a:fld id="{B61BEF0D-F0BB-DE4B-95CE-6DB70DBA9567}" type="datetimeFigureOut">
               <a:rPr lang="en-US" dirty="0"/>
               <a:pPr/>
-              <a:t>11/2/2019</a:t>
+              <a:t>11/3/2019</a:t>
             </a:fld>
             <a:endParaRPr lang="en-US" dirty="0"/>
           </a:p>
@@ -11964,7 +11964,7 @@
             <a:fld id="{B61BEF0D-F0BB-DE4B-95CE-6DB70DBA9567}" type="datetimeFigureOut">
               <a:rPr lang="en-US" dirty="0"/>
               <a:pPr/>
-              <a:t>11/2/2019</a:t>
+              <a:t>11/3/2019</a:t>
             </a:fld>
             <a:endParaRPr lang="en-US" dirty="0"/>
           </a:p>
@@ -12257,7 +12257,7 @@
             <a:fld id="{B61BEF0D-F0BB-DE4B-95CE-6DB70DBA9567}" type="datetimeFigureOut">
               <a:rPr lang="en-US" dirty="0"/>
               <a:pPr/>
-              <a:t>11/2/2019</a:t>
+              <a:t>11/3/2019</a:t>
             </a:fld>
             <a:endParaRPr lang="en-US" dirty="0"/>
           </a:p>
@@ -12550,7 +12550,7 @@
             <a:fld id="{B61BEF0D-F0BB-DE4B-95CE-6DB70DBA9567}" type="datetimeFigureOut">
               <a:rPr lang="en-US" dirty="0"/>
               <a:pPr/>
-              <a:t>11/2/2019</a:t>
+              <a:t>11/3/2019</a:t>
             </a:fld>
             <a:endParaRPr lang="en-US" dirty="0"/>
           </a:p>
@@ -12800,7 +12800,7 @@
             <a:fld id="{B61BEF0D-F0BB-DE4B-95CE-6DB70DBA9567}" type="datetimeFigureOut">
               <a:rPr lang="en-US" dirty="0"/>
               <a:pPr/>
-              <a:t>11/2/2019</a:t>
+              <a:t>11/3/2019</a:t>
             </a:fld>
             <a:endParaRPr lang="en-US" dirty="0"/>
           </a:p>
@@ -13342,7 +13342,7 @@
             <a:fld id="{B61BEF0D-F0BB-DE4B-95CE-6DB70DBA9567}" type="datetimeFigureOut">
               <a:rPr lang="en-US" dirty="0"/>
               <a:pPr/>
-              <a:t>11/2/2019</a:t>
+              <a:t>11/3/2019</a:t>
             </a:fld>
             <a:endParaRPr lang="en-US" dirty="0"/>
           </a:p>
@@ -13592,7 +13592,7 @@
             <a:fld id="{B61BEF0D-F0BB-DE4B-95CE-6DB70DBA9567}" type="datetimeFigureOut">
               <a:rPr lang="en-US" dirty="0"/>
               <a:pPr/>
-              <a:t>11/2/2019</a:t>
+              <a:t>11/3/2019</a:t>
             </a:fld>
             <a:endParaRPr lang="en-US" dirty="0"/>
           </a:p>
@@ -14126,7 +14126,7 @@
             <a:fld id="{B61BEF0D-F0BB-DE4B-95CE-6DB70DBA9567}" type="datetimeFigureOut">
               <a:rPr lang="en-US" dirty="0"/>
               <a:pPr/>
-              <a:t>11/2/2019</a:t>
+              <a:t>11/3/2019</a:t>
             </a:fld>
             <a:endParaRPr lang="en-US" dirty="0"/>
           </a:p>
@@ -14425,7 +14425,7 @@
             <a:fld id="{B61BEF0D-F0BB-DE4B-95CE-6DB70DBA9567}" type="datetimeFigureOut">
               <a:rPr lang="en-US" dirty="0"/>
               <a:pPr/>
-              <a:t>11/2/2019</a:t>
+              <a:t>11/3/2019</a:t>
             </a:fld>
             <a:endParaRPr lang="en-US" dirty="0"/>
           </a:p>
@@ -14601,7 +14601,7 @@
             <a:fld id="{B61BEF0D-F0BB-DE4B-95CE-6DB70DBA9567}" type="datetimeFigureOut">
               <a:rPr lang="en-US" dirty="0"/>
               <a:pPr/>
-              <a:t>11/2/2019</a:t>
+              <a:t>11/3/2019</a:t>
             </a:fld>
             <a:endParaRPr lang="en-US" dirty="0"/>
           </a:p>
@@ -14783,7 +14783,7 @@
             <a:fld id="{B61BEF0D-F0BB-DE4B-95CE-6DB70DBA9567}" type="datetimeFigureOut">
               <a:rPr lang="en-US" dirty="0"/>
               <a:pPr/>
-              <a:t>11/2/2019</a:t>
+              <a:t>11/3/2019</a:t>
             </a:fld>
             <a:endParaRPr lang="en-US" dirty="0"/>
           </a:p>
@@ -21783,7 +21783,7 @@
             <a:fld id="{B61BEF0D-F0BB-DE4B-95CE-6DB70DBA9567}" type="datetimeFigureOut">
               <a:rPr lang="en-US" dirty="0"/>
               <a:pPr/>
-              <a:t>11/2/2019</a:t>
+              <a:t>11/3/2019</a:t>
             </a:fld>
             <a:endParaRPr lang="en-US" dirty="0"/>
           </a:p>
@@ -23565,7 +23565,7 @@
             </a:pPr>
             <a:r>
               <a:rPr lang="en-US" sz="2200" dirty="0"/>
-              <a:t>Sprites, </a:t>
+              <a:t>Sprites</a:t>
             </a:r>
           </a:p>
           <a:p>
